--- a/01-basics/exercises/15-suff_comp_prim.pptx
+++ b/01-basics/exercises/15-suff_comp_prim.pptx
@@ -105,6 +105,11 @@
       </a:defRPr>
     </a:lvl9pPr>
   </p:defaultTextStyle>
+  <p:extLst>
+    <p:ext uri="{EFAFB233-063F-42B5-8137-9DF3F51BA10A}">
+      <p15:sldGuideLst xmlns:p15="http://schemas.microsoft.com/office/powerpoint/2012/main"/>
+    </p:ext>
+  </p:extLst>
 </p:presentation>
 </file>
 
@@ -255,7 +260,7 @@
           <a:p>
             <a:fld id="{2B2157BC-A111-4889-B8D7-C0F3F6880248}" type="datetimeFigureOut">
               <a:rPr kumimoji="1" lang="ja-JP" altLang="en-US" smtClean="0"/>
-              <a:t>2023/12/7</a:t>
+              <a:t>2024/4/30</a:t>
             </a:fld>
             <a:endParaRPr kumimoji="1" lang="ja-JP" altLang="en-US"/>
           </a:p>
@@ -396,7 +401,7 @@
           <a:p>
             <a:fld id="{2B2157BC-A111-4889-B8D7-C0F3F6880248}" type="datetimeFigureOut">
               <a:rPr kumimoji="1" lang="ja-JP" altLang="en-US" smtClean="0"/>
-              <a:t>2023/12/7</a:t>
+              <a:t>2024/4/30</a:t>
             </a:fld>
             <a:endParaRPr kumimoji="1" lang="ja-JP" altLang="en-US"/>
           </a:p>
@@ -509,7 +514,7 @@
           <a:p>
             <a:fld id="{2B2157BC-A111-4889-B8D7-C0F3F6880248}" type="datetimeFigureOut">
               <a:rPr kumimoji="1" lang="ja-JP" altLang="en-US" smtClean="0"/>
-              <a:t>2023/12/7</a:t>
+              <a:t>2024/4/30</a:t>
             </a:fld>
             <a:endParaRPr kumimoji="1" lang="ja-JP" altLang="en-US"/>
           </a:p>
@@ -661,7 +666,7 @@
           <p:nvPr userDrawn="1">
             <p:extLst>
               <p:ext uri="{D42A27DB-BD31-4B8C-83A1-F6EECF244321}">
-                <p14:modId xmlns:p14="http://schemas.microsoft.com/office/powerpoint/2010/main" val="2116033532"/>
+                <p14:modId xmlns:p14="http://schemas.microsoft.com/office/powerpoint/2010/main" val="104025465"/>
               </p:ext>
             </p:extLst>
           </p:nvPr>
@@ -792,14 +797,30 @@
                     <a:p>
                       <a:r>
                         <a:rPr kumimoji="1" lang="ja-JP" altLang="en-US" sz="1200" dirty="0"/>
-                        <a:t>・回転運動の運動エネルギーを変更する</a:t>
+                        <a:t>・回転運動の運動エネルギー量を変更する</a:t>
                       </a:r>
                       <a:endParaRPr kumimoji="1" lang="en-US" altLang="ja-JP" sz="1200" dirty="0"/>
                     </a:p>
                     <a:p>
                       <a:r>
                         <a:rPr kumimoji="1" lang="ja-JP" altLang="en-US" sz="1200" dirty="0"/>
-                        <a:t>・</a:t>
+                        <a:t>・熱エネルギーを外部モジュール</a:t>
+                      </a:r>
+                      <a:r>
+                        <a:rPr kumimoji="1" lang="en-US" altLang="ja-JP" sz="1200" dirty="0"/>
+                        <a:t>(</a:t>
+                      </a:r>
+                      <a:r>
+                        <a:rPr kumimoji="1" lang="ja-JP" altLang="en-US" sz="1200" dirty="0"/>
+                        <a:t>エアコン</a:t>
+                      </a:r>
+                      <a:r>
+                        <a:rPr kumimoji="1" lang="en-US" altLang="ja-JP" sz="1200" dirty="0"/>
+                        <a:t>)</a:t>
+                      </a:r>
+                      <a:r>
+                        <a:rPr kumimoji="1" lang="ja-JP" altLang="en-US" sz="1200" dirty="0"/>
+                        <a:t>に提供する</a:t>
                       </a:r>
                       <a:endParaRPr kumimoji="1" lang="en-US" altLang="ja-JP" sz="1200" dirty="0"/>
                     </a:p>
@@ -2492,7 +2513,7 @@
           <a:p>
             <a:fld id="{2B2157BC-A111-4889-B8D7-C0F3F6880248}" type="datetimeFigureOut">
               <a:rPr kumimoji="1" lang="ja-JP" altLang="en-US" smtClean="0"/>
-              <a:t>2023/12/7</a:t>
+              <a:t>2024/4/30</a:t>
             </a:fld>
             <a:endParaRPr kumimoji="1" lang="ja-JP" altLang="en-US"/>
           </a:p>
@@ -2665,6 +2686,53 @@
                 </a:solidFill>
               </a:rPr>
               <a:t>プリミティブ性の観点：ドリル</a:t>
+            </a:r>
+          </a:p>
+        </p:txBody>
+      </p:sp>
+      <p:sp>
+        <p:nvSpPr>
+          <p:cNvPr id="9" name="テキスト ボックス 8">
+            <a:extLst>
+              <a:ext uri="{FF2B5EF4-FFF2-40B4-BE49-F238E27FC236}">
+                <a16:creationId xmlns:a16="http://schemas.microsoft.com/office/drawing/2014/main" id="{19E9C205-E5D2-B9F7-AC88-A8B1C070C8B2}"/>
+              </a:ext>
+            </a:extLst>
+          </p:cNvPr>
+          <p:cNvSpPr txBox="1"/>
+          <p:nvPr userDrawn="1">
+            <p:extLst>
+              <p:ext uri="{1162E1C5-73C7-4A58-AE30-91384D911F3F}">
+                <p184:classification xmlns:p184="http://schemas.microsoft.com/office/powerpoint/2018/4/main" val="ftr"/>
+              </p:ext>
+            </p:extLst>
+          </p:nvPr>
+        </p:nvSpPr>
+        <p:spPr>
+          <a:xfrm>
+            <a:off x="63500" y="6642100"/>
+            <a:ext cx="433388" cy="152400"/>
+          </a:xfrm>
+          <a:prstGeom prst="rect">
+            <a:avLst/>
+          </a:prstGeom>
+        </p:spPr>
+        <p:txBody>
+          <a:bodyPr horzOverflow="overflow" lIns="0" tIns="0" rIns="0" bIns="0">
+            <a:spAutoFit/>
+          </a:bodyPr>
+          <a:lstStyle/>
+          <a:p>
+            <a:pPr algn="l"/>
+            <a:r>
+              <a:rPr lang="ja-JP" altLang="en-US" sz="1000">
+                <a:solidFill>
+                  <a:srgbClr val="000000"/>
+                </a:solidFill>
+                <a:latin typeface="Calibri" panose="020F0502020204030204" pitchFamily="34" charset="0"/>
+                <a:cs typeface="Calibri" panose="020F0502020204030204" pitchFamily="34" charset="0"/>
+              </a:rPr>
+              <a:t>Internal</a:t>
             </a:r>
           </a:p>
         </p:txBody>

--- a/01-basics/exercises/15-suff_comp_prim.pptx
+++ b/01-basics/exercises/15-suff_comp_prim.pptx
@@ -260,7 +260,7 @@
           <a:p>
             <a:fld id="{2B2157BC-A111-4889-B8D7-C0F3F6880248}" type="datetimeFigureOut">
               <a:rPr kumimoji="1" lang="ja-JP" altLang="en-US" smtClean="0"/>
-              <a:t>2024/4/30</a:t>
+              <a:t>2024/5/15</a:t>
             </a:fld>
             <a:endParaRPr kumimoji="1" lang="ja-JP" altLang="en-US"/>
           </a:p>
@@ -401,7 +401,7 @@
           <a:p>
             <a:fld id="{2B2157BC-A111-4889-B8D7-C0F3F6880248}" type="datetimeFigureOut">
               <a:rPr kumimoji="1" lang="ja-JP" altLang="en-US" smtClean="0"/>
-              <a:t>2024/4/30</a:t>
+              <a:t>2024/5/15</a:t>
             </a:fld>
             <a:endParaRPr kumimoji="1" lang="ja-JP" altLang="en-US"/>
           </a:p>
@@ -514,7 +514,7 @@
           <a:p>
             <a:fld id="{2B2157BC-A111-4889-B8D7-C0F3F6880248}" type="datetimeFigureOut">
               <a:rPr kumimoji="1" lang="ja-JP" altLang="en-US" smtClean="0"/>
-              <a:t>2024/4/30</a:t>
+              <a:t>2024/5/15</a:t>
             </a:fld>
             <a:endParaRPr kumimoji="1" lang="ja-JP" altLang="en-US"/>
           </a:p>
@@ -666,7 +666,7 @@
           <p:nvPr userDrawn="1">
             <p:extLst>
               <p:ext uri="{D42A27DB-BD31-4B8C-83A1-F6EECF244321}">
-                <p14:modId xmlns:p14="http://schemas.microsoft.com/office/powerpoint/2010/main" val="104025465"/>
+                <p14:modId xmlns:p14="http://schemas.microsoft.com/office/powerpoint/2010/main" val="4086519743"/>
               </p:ext>
             </p:extLst>
           </p:nvPr>
@@ -790,7 +790,14 @@
                     <a:p>
                       <a:r>
                         <a:rPr kumimoji="1" lang="ja-JP" altLang="en-US" sz="1200" dirty="0"/>
-                        <a:t>・回転運動の運動エネルギーを外部モジュールに提供する</a:t>
+                        <a:t>・回転運動の運動エネルギーを外部</a:t>
+                      </a:r>
+                      <a:br>
+                        <a:rPr kumimoji="1" lang="en-US" altLang="ja-JP" sz="1200" dirty="0"/>
+                      </a:br>
+                      <a:r>
+                        <a:rPr kumimoji="1" lang="ja-JP" altLang="en-US" sz="1200" dirty="0"/>
+                        <a:t>　モジュールに提供する</a:t>
                       </a:r>
                       <a:endParaRPr kumimoji="1" lang="en-US" altLang="ja-JP" sz="1200" dirty="0"/>
                     </a:p>
@@ -818,9 +825,12 @@
                         <a:rPr kumimoji="1" lang="en-US" altLang="ja-JP" sz="1200" dirty="0"/>
                         <a:t>)</a:t>
                       </a:r>
+                      <a:br>
+                        <a:rPr kumimoji="1" lang="en-US" altLang="ja-JP" sz="1200" dirty="0"/>
+                      </a:br>
                       <a:r>
                         <a:rPr kumimoji="1" lang="ja-JP" altLang="en-US" sz="1200" dirty="0"/>
-                        <a:t>に提供する</a:t>
+                        <a:t>　に提供する</a:t>
                       </a:r>
                       <a:endParaRPr kumimoji="1" lang="en-US" altLang="ja-JP" sz="1200" dirty="0"/>
                     </a:p>
@@ -858,7 +868,7 @@
         <p:spPr>
           <a:xfrm>
             <a:off x="497839" y="6229123"/>
-            <a:ext cx="9607117" cy="523220"/>
+            <a:ext cx="9427581" cy="307777"/>
           </a:xfrm>
           <a:prstGeom prst="rect">
             <a:avLst/>
@@ -872,13 +882,6 @@
           <a:lstStyle/>
           <a:p>
             <a:r>
-              <a:rPr kumimoji="1" lang="ja-JP" altLang="en-US" sz="1400" dirty="0"/>
-              <a:t>・エンジンを「自動車の数あるパーツの１つ」として考えてください</a:t>
-            </a:r>
-            <a:endParaRPr kumimoji="1" lang="en-US" altLang="ja-JP" sz="1400" dirty="0"/>
-          </a:p>
-          <a:p>
-            <a:r>
               <a:rPr lang="ja-JP" altLang="en-US" sz="1400" dirty="0"/>
               <a:t>・シリンダー</a:t>
             </a:r>
@@ -888,7 +891,7 @@
             </a:r>
             <a:r>
               <a:rPr lang="ja-JP" altLang="en-US" sz="1400" dirty="0"/>
-              <a:t>キャブレータなどのエンジン内部の具象にとらわれず、外から見たエンジンとして取り組んでください</a:t>
+              <a:t>キャブレータなどのエンジン内部の具象にとらわれ過ぎず、運動体としての役割を考えてみましょう</a:t>
             </a:r>
             <a:endParaRPr kumimoji="1" lang="ja-JP" altLang="en-US" sz="1400" dirty="0"/>
           </a:p>
@@ -909,7 +912,7 @@
           <p:nvPr userDrawn="1">
             <p:extLst>
               <p:ext uri="{D42A27DB-BD31-4B8C-83A1-F6EECF244321}">
-                <p14:modId xmlns:p14="http://schemas.microsoft.com/office/powerpoint/2010/main" val="532219946"/>
+                <p14:modId xmlns:p14="http://schemas.microsoft.com/office/powerpoint/2010/main" val="3966735306"/>
               </p:ext>
             </p:extLst>
           </p:nvPr>
@@ -1039,14 +1042,14 @@
                     <a:p>
                       <a:r>
                         <a:rPr kumimoji="1" lang="ja-JP" altLang="en-US" sz="1200" dirty="0"/>
-                        <a:t>・空気</a:t>
+                        <a:t>・空気、電気</a:t>
                       </a:r>
                       <a:endParaRPr kumimoji="1" lang="en-US" altLang="ja-JP" sz="1200" dirty="0"/>
                     </a:p>
                     <a:p>
                       <a:r>
                         <a:rPr kumimoji="1" lang="ja-JP" altLang="en-US" sz="1200" dirty="0"/>
-                        <a:t>・電気</a:t>
+                        <a:t>・エンジンオイル</a:t>
                       </a:r>
                       <a:endParaRPr kumimoji="1" lang="en-US" altLang="ja-JP" sz="1200" dirty="0"/>
                     </a:p>
@@ -1055,6 +1058,19 @@
                         <a:rPr kumimoji="1" lang="ja-JP" altLang="en-US" sz="1200" dirty="0"/>
                         <a:t>・スロットルバルブの開度</a:t>
                       </a:r>
+                      <a:r>
+                        <a:rPr kumimoji="1" lang="en-US" altLang="ja-JP" sz="1200" dirty="0"/>
+                        <a:t>(</a:t>
+                      </a:r>
+                      <a:r>
+                        <a:rPr kumimoji="1" lang="ja-JP" altLang="en-US" sz="1200" dirty="0"/>
+                        <a:t>アクセルペダル</a:t>
+                      </a:r>
+                      <a:r>
+                        <a:rPr kumimoji="1" lang="en-US" altLang="ja-JP" sz="1200" dirty="0"/>
+                        <a:t>)</a:t>
+                      </a:r>
+                      <a:endParaRPr kumimoji="1" lang="ja-JP" altLang="en-US" sz="1200" dirty="0"/>
                     </a:p>
                   </a:txBody>
                   <a:tcPr/>
@@ -1099,14 +1115,14 @@
                     <a:p>
                       <a:r>
                         <a:rPr kumimoji="1" lang="ja-JP" altLang="en-US" sz="1200" dirty="0"/>
-                        <a:t>・ガソリンの持つ化学エネルギーを運動エネ</a:t>
+                        <a:t>・ガソリンの持つ化学エネルギーを</a:t>
                       </a:r>
                       <a:br>
                         <a:rPr kumimoji="1" lang="en-US" altLang="ja-JP" sz="1200" dirty="0"/>
                       </a:br>
                       <a:r>
                         <a:rPr kumimoji="1" lang="ja-JP" altLang="en-US" sz="1200" dirty="0"/>
-                        <a:t>　ルギーに変換する</a:t>
+                        <a:t>　運動エネルギーと熱エネルギーに変換する</a:t>
                       </a:r>
                       <a:endParaRPr kumimoji="1" lang="en-US" altLang="ja-JP" sz="1200" dirty="0"/>
                     </a:p>
@@ -1237,12 +1253,32 @@
             <a:endParaRPr lang="en-US" altLang="ja-JP" sz="1600" dirty="0"/>
           </a:p>
           <a:p>
+            <a:r>
+              <a:rPr lang="ja-JP" altLang="en-US" sz="1600" dirty="0"/>
+              <a:t>・「エンジンが自動車走行に果たしている役割」の観点で、必要な機能を抽象化してみましょう</a:t>
+            </a:r>
             <a:endParaRPr lang="en-US" altLang="ja-JP" sz="1600" dirty="0"/>
           </a:p>
           <a:p>
             <a:r>
               <a:rPr lang="ja-JP" altLang="en-US" sz="1600" dirty="0"/>
-              <a:t>・「エンジンが自動車走行に果たしている役割」の観点で、必要な機能を抽象化してみましょう</a:t>
+              <a:t>・エンジンを一つの関数として考え、入力</a:t>
+            </a:r>
+            <a:r>
+              <a:rPr lang="en-US" altLang="ja-JP" sz="1600" dirty="0"/>
+              <a:t>/</a:t>
+            </a:r>
+            <a:r>
+              <a:rPr lang="ja-JP" altLang="en-US" sz="1600" dirty="0"/>
+              <a:t>処理</a:t>
+            </a:r>
+            <a:r>
+              <a:rPr lang="en-US" altLang="ja-JP" sz="1600" dirty="0"/>
+              <a:t>/</a:t>
+            </a:r>
+            <a:r>
+              <a:rPr lang="ja-JP" altLang="en-US" sz="1600" dirty="0"/>
+              <a:t>出力の各要素から役割を考えてみましょう</a:t>
             </a:r>
             <a:endParaRPr lang="en-US" altLang="ja-JP" sz="1600" dirty="0"/>
           </a:p>
@@ -2513,7 +2549,7 @@
           <a:p>
             <a:fld id="{2B2157BC-A111-4889-B8D7-C0F3F6880248}" type="datetimeFigureOut">
               <a:rPr kumimoji="1" lang="ja-JP" altLang="en-US" smtClean="0"/>
-              <a:t>2024/4/30</a:t>
+              <a:t>2024/5/15</a:t>
             </a:fld>
             <a:endParaRPr kumimoji="1" lang="ja-JP" altLang="en-US"/>
           </a:p>
@@ -3486,7 +3522,7 @@
         <p:spPr>
           <a:xfrm>
             <a:off x="497839" y="6229123"/>
-            <a:ext cx="9607117" cy="523220"/>
+            <a:ext cx="9427581" cy="307777"/>
           </a:xfrm>
           <a:prstGeom prst="rect">
             <a:avLst/>
@@ -3500,13 +3536,6 @@
           <a:lstStyle/>
           <a:p>
             <a:r>
-              <a:rPr kumimoji="1" lang="ja-JP" altLang="en-US" sz="1400" dirty="0"/>
-              <a:t>・エンジンを「自動車の数あるパーツの１つ」として考えてください</a:t>
-            </a:r>
-            <a:endParaRPr kumimoji="1" lang="en-US" altLang="ja-JP" sz="1400" dirty="0"/>
-          </a:p>
-          <a:p>
-            <a:r>
               <a:rPr lang="ja-JP" altLang="en-US" sz="1400" dirty="0"/>
               <a:t>・シリンダー</a:t>
             </a:r>
@@ -3516,7 +3545,7 @@
             </a:r>
             <a:r>
               <a:rPr lang="ja-JP" altLang="en-US" sz="1400" dirty="0"/>
-              <a:t>キャブレータなどのエンジン内部の具象にとらわれず、外から見たエンジンとして取り組んでください</a:t>
+              <a:t>キャブレータなどのエンジン内部の具象にとらわれ過ぎず、運動体としての役割を考えてみましょう</a:t>
             </a:r>
             <a:endParaRPr kumimoji="1" lang="ja-JP" altLang="en-US" sz="1400" dirty="0"/>
           </a:p>
@@ -3849,12 +3878,32 @@
             <a:endParaRPr lang="en-US" altLang="ja-JP" sz="1600" dirty="0"/>
           </a:p>
           <a:p>
+            <a:r>
+              <a:rPr lang="ja-JP" altLang="en-US" sz="1600" dirty="0"/>
+              <a:t>・「エンジンが自動車走行に果たしている役割」の観点で、必要な機能を抽象化してみましょう</a:t>
+            </a:r>
             <a:endParaRPr lang="en-US" altLang="ja-JP" sz="1600" dirty="0"/>
           </a:p>
           <a:p>
             <a:r>
               <a:rPr lang="ja-JP" altLang="en-US" sz="1600" dirty="0"/>
-              <a:t>・「エンジンが自動車走行に果たしている役割」の観点で、必要な機能を抽象化してみましょう</a:t>
+              <a:t>・エンジンを一つの関数として考え、入力</a:t>
+            </a:r>
+            <a:r>
+              <a:rPr lang="en-US" altLang="ja-JP" sz="1600" dirty="0"/>
+              <a:t>/</a:t>
+            </a:r>
+            <a:r>
+              <a:rPr lang="ja-JP" altLang="en-US" sz="1600" dirty="0"/>
+              <a:t>処理</a:t>
+            </a:r>
+            <a:r>
+              <a:rPr lang="en-US" altLang="ja-JP" sz="1600" dirty="0"/>
+              <a:t>/</a:t>
+            </a:r>
+            <a:r>
+              <a:rPr lang="ja-JP" altLang="en-US" sz="1600" dirty="0"/>
+              <a:t>出力の各要素から役割を考えてみましょう</a:t>
             </a:r>
             <a:endParaRPr lang="en-US" altLang="ja-JP" sz="1600" dirty="0"/>
           </a:p>
